--- a/js/06算法/算法理解.pptx
+++ b/js/06算法/算法理解.pptx
@@ -7,6 +7,7 @@
   <p:sldIdLst>
     <p:sldId id="256" r:id="rId3"/>
     <p:sldId id="257" r:id="rId4"/>
+    <p:sldId id="258" r:id="rId5"/>
   </p:sldIdLst>
   <p:sldSz cx="12192000" cy="6858000"/>
   <p:notesSz cx="7103745" cy="10234295"/>
@@ -3546,6 +3547,53 @@
 </p:sld>
 </file>
 
+<file path=ppt/slides/slide3.xml><?xml version="1.0" encoding="utf-8"?>
+<p:sld xmlns:a="http://schemas.openxmlformats.org/drawingml/2006/main" xmlns:r="http://schemas.openxmlformats.org/officeDocument/2006/relationships" xmlns:p="http://schemas.openxmlformats.org/presentationml/2006/main">
+  <p:cSld>
+    <p:spTree>
+      <p:nvGrpSpPr>
+        <p:cNvPr id="1" name=""/>
+        <p:cNvGrpSpPr/>
+        <p:nvPr/>
+      </p:nvGrpSpPr>
+      <p:grpSpPr/>
+      <p:sp>
+        <p:nvSpPr>
+          <p:cNvPr id="4" name="文本框 3"/>
+          <p:cNvSpPr txBox="1"/>
+          <p:nvPr/>
+        </p:nvSpPr>
+        <p:spPr>
+          <a:xfrm>
+            <a:off x="4490720" y="1474470"/>
+            <a:ext cx="2188845" cy="368300"/>
+          </a:xfrm>
+          <a:prstGeom prst="rect">
+            <a:avLst/>
+          </a:prstGeom>
+          <a:noFill/>
+        </p:spPr>
+        <p:txBody>
+          <a:bodyPr wrap="none" rtlCol="0">
+            <a:spAutoFit/>
+          </a:bodyPr>
+          <a:p>
+            <a:r>
+              <a:rPr lang="en-US" altLang="zh-CN"/>
+              <a:t>removeNode(20,18)</a:t>
+            </a:r>
+            <a:endParaRPr lang="en-US" altLang="zh-CN"/>
+          </a:p>
+        </p:txBody>
+      </p:sp>
+    </p:spTree>
+  </p:cSld>
+  <p:clrMapOvr>
+    <a:masterClrMapping/>
+  </p:clrMapOvr>
+</p:sld>
+</file>
+
 <file path=ppt/theme/theme1.xml><?xml version="1.0" encoding="utf-8"?>
 <a:theme xmlns:a="http://schemas.openxmlformats.org/drawingml/2006/main" name="Office 主题">
   <a:themeElements>
